--- a/PR2022-23_koncna_10.pptx
+++ b/PR2022-23_koncna_10.pptx
@@ -5434,8 +5434,16 @@
               <a:t>Odgovor na drugo vprašanje</a:t>
             </a:r>
             <a:r>
+              <a:rPr lang="en-GB" sz="1400" dirty="0"/>
+              <a:t> </a:t>
+            </a:r>
+            <a:r>
               <a:rPr lang="en-GB" sz="1400" dirty="0" err="1"/>
               <a:t>smo</a:t>
+            </a:r>
+            <a:r>
+              <a:rPr lang="en-GB" sz="1400" dirty="0"/>
+              <a:t> </a:t>
             </a:r>
             <a:r>
               <a:rPr lang="sl-SI" sz="1400" dirty="0"/>
@@ -7990,7 +7998,7 @@
             </a:r>
             <a:r>
               <a:rPr lang="en-US" sz="1400" dirty="0" err="1"/>
-              <a:t>doblenih</a:t>
+              <a:t>dobljenih</a:t>
             </a:r>
             <a:r>
               <a:rPr lang="en-US" sz="1400" dirty="0"/>
@@ -8010,15 +8018,7 @@
             </a:r>
             <a:r>
               <a:rPr lang="en-US" sz="1400" dirty="0"/>
-              <a:t> </a:t>
-            </a:r>
-            <a:r>
-              <a:rPr lang="en-US" sz="1400" dirty="0" err="1"/>
-              <a:t>še</a:t>
-            </a:r>
-            <a:r>
-              <a:rPr lang="en-US" sz="1400" dirty="0"/>
-              <a:t> </a:t>
+              <a:t> še </a:t>
             </a:r>
             <a:r>
               <a:rPr lang="en-US" sz="1400" dirty="0" err="1"/>
@@ -8042,23 +8042,7 @@
             </a:r>
             <a:r>
               <a:rPr lang="en-US" sz="1400" dirty="0"/>
-              <a:t> </a:t>
-            </a:r>
-            <a:r>
-              <a:rPr lang="en-US" sz="1400" dirty="0" err="1"/>
-              <a:t>smo</a:t>
-            </a:r>
-            <a:r>
-              <a:rPr lang="en-US" sz="1400" dirty="0"/>
-              <a:t> </a:t>
-            </a:r>
-            <a:r>
-              <a:rPr lang="en-US" sz="1400" dirty="0" err="1"/>
-              <a:t>jih</a:t>
-            </a:r>
-            <a:r>
-              <a:rPr lang="en-US" sz="1400" dirty="0"/>
-              <a:t> </a:t>
+              <a:t> smo jih </a:t>
             </a:r>
             <a:r>
               <a:rPr lang="en-US" sz="1400" dirty="0" err="1"/>
@@ -8074,15 +8058,7 @@
             </a:r>
             <a:r>
               <a:rPr lang="en-US" sz="1400" dirty="0"/>
-              <a:t> </a:t>
-            </a:r>
-            <a:r>
-              <a:rPr lang="en-US" sz="1400" dirty="0" err="1"/>
-              <a:t>kot</a:t>
-            </a:r>
-            <a:r>
-              <a:rPr lang="en-US" sz="1400" dirty="0"/>
-              <a:t> </a:t>
+              <a:t> kot </a:t>
             </a:r>
             <a:r>
               <a:rPr lang="en-US" sz="1400" dirty="0" err="1"/>
@@ -8090,15 +8066,7 @@
             </a:r>
             <a:r>
               <a:rPr lang="en-US" sz="1400" dirty="0"/>
-              <a:t> </a:t>
-            </a:r>
-            <a:r>
-              <a:rPr lang="en-US" sz="1400" dirty="0" err="1"/>
-              <a:t>jih</a:t>
-            </a:r>
-            <a:r>
-              <a:rPr lang="en-US" sz="1400" dirty="0"/>
-              <a:t> je </a:t>
+              <a:t> jih je </a:t>
             </a:r>
             <a:r>
               <a:rPr lang="en-US" sz="1400" dirty="0" err="1"/>

--- a/PR2022-23_koncna_10.pptx
+++ b/PR2022-23_koncna_10.pptx
@@ -9064,6 +9064,53 @@
       </p:pic>
       <p:pic>
         <p:nvPicPr>
+          <p:cNvPr id="1026" name="Picture 2">
+            <a:extLst>
+              <a:ext uri="{FF2B5EF4-FFF2-40B4-BE49-F238E27FC236}">
+                <a16:creationId xmlns:a16="http://schemas.microsoft.com/office/drawing/2014/main" id="{A22EC24F-D001-B8D0-7F3C-AA571E88ECBD}"/>
+              </a:ext>
+            </a:extLst>
+          </p:cNvPr>
+          <p:cNvPicPr>
+            <a:picLocks noChangeAspect="1" noChangeArrowheads="1"/>
+          </p:cNvPicPr>
+          <p:nvPr/>
+        </p:nvPicPr>
+        <p:blipFill>
+          <a:blip r:embed="rId3">
+            <a:extLst>
+              <a:ext uri="{28A0092B-C50C-407E-A947-70E740481C1C}">
+                <a14:useLocalDpi xmlns:a14="http://schemas.microsoft.com/office/drawing/2010/main" val="0"/>
+              </a:ext>
+            </a:extLst>
+          </a:blip>
+          <a:srcRect/>
+          <a:stretch>
+            <a:fillRect/>
+          </a:stretch>
+        </p:blipFill>
+        <p:spPr bwMode="auto">
+          <a:xfrm>
+            <a:off x="4614534" y="1530422"/>
+            <a:ext cx="4351760" cy="2891653"/>
+          </a:xfrm>
+          <a:prstGeom prst="rect">
+            <a:avLst/>
+          </a:prstGeom>
+          <a:noFill/>
+          <a:extLst>
+            <a:ext uri="{909E8E84-426E-40DD-AFC4-6F175D3DCCD1}">
+              <a14:hiddenFill xmlns:a14="http://schemas.microsoft.com/office/drawing/2010/main">
+                <a:solidFill>
+                  <a:srgbClr val="FFFFFF"/>
+                </a:solidFill>
+              </a14:hiddenFill>
+            </a:ext>
+          </a:extLst>
+        </p:spPr>
+      </p:pic>
+      <p:pic>
+        <p:nvPicPr>
           <p:cNvPr id="4" name="Picture 13">
             <a:extLst>
               <a:ext uri="{FF2B5EF4-FFF2-40B4-BE49-F238E27FC236}">
@@ -9077,15 +9124,15 @@
           <p:nvPr/>
         </p:nvPicPr>
         <p:blipFill>
-          <a:blip r:embed="rId3"/>
+          <a:blip r:embed="rId4"/>
           <a:stretch>
             <a:fillRect/>
           </a:stretch>
         </p:blipFill>
         <p:spPr>
           <a:xfrm>
-            <a:off x="4702044" y="1710404"/>
-            <a:ext cx="4231875" cy="2668585"/>
+            <a:off x="4640106" y="1598486"/>
+            <a:ext cx="4351760" cy="2744184"/>
           </a:xfrm>
           <a:prstGeom prst="rect">
             <a:avLst/>
@@ -9102,6 +9149,81 @@
   <p:clrMapOvr>
     <a:masterClrMapping/>
   </p:clrMapOvr>
+  <p:timing>
+    <p:tnLst>
+      <p:par>
+        <p:cTn id="1" dur="indefinite" restart="never" nodeType="tmRoot">
+          <p:childTnLst>
+            <p:seq concurrent="1" nextAc="seek">
+              <p:cTn id="2" dur="indefinite" nodeType="mainSeq">
+                <p:childTnLst>
+                  <p:par>
+                    <p:cTn id="3" fill="hold">
+                      <p:stCondLst>
+                        <p:cond delay="indefinite"/>
+                      </p:stCondLst>
+                      <p:childTnLst>
+                        <p:par>
+                          <p:cTn id="4" fill="hold">
+                            <p:stCondLst>
+                              <p:cond delay="0"/>
+                            </p:stCondLst>
+                            <p:childTnLst>
+                              <p:par>
+                                <p:cTn id="5" presetID="1" presetClass="entr" presetSubtype="0" fill="hold" nodeType="clickEffect">
+                                  <p:stCondLst>
+                                    <p:cond delay="0"/>
+                                  </p:stCondLst>
+                                  <p:childTnLst>
+                                    <p:set>
+                                      <p:cBhvr>
+                                        <p:cTn id="6" dur="1" fill="hold">
+                                          <p:stCondLst>
+                                            <p:cond delay="0"/>
+                                          </p:stCondLst>
+                                        </p:cTn>
+                                        <p:tgtEl>
+                                          <p:spTgt spid="4"/>
+                                        </p:tgtEl>
+                                        <p:attrNameLst>
+                                          <p:attrName>style.visibility</p:attrName>
+                                        </p:attrNameLst>
+                                      </p:cBhvr>
+                                      <p:to>
+                                        <p:strVal val="visible"/>
+                                      </p:to>
+                                    </p:set>
+                                  </p:childTnLst>
+                                </p:cTn>
+                              </p:par>
+                            </p:childTnLst>
+                          </p:cTn>
+                        </p:par>
+                      </p:childTnLst>
+                    </p:cTn>
+                  </p:par>
+                </p:childTnLst>
+              </p:cTn>
+              <p:prevCondLst>
+                <p:cond evt="onPrev" delay="0">
+                  <p:tgtEl>
+                    <p:sldTgt/>
+                  </p:tgtEl>
+                </p:cond>
+              </p:prevCondLst>
+              <p:nextCondLst>
+                <p:cond evt="onNext" delay="0">
+                  <p:tgtEl>
+                    <p:sldTgt/>
+                  </p:tgtEl>
+                </p:cond>
+              </p:nextCondLst>
+            </p:seq>
+          </p:childTnLst>
+        </p:cTn>
+      </p:par>
+    </p:tnLst>
+  </p:timing>
 </p:sld>
 </file>
 
